--- a/book/lectures/AUR_2023_Module4_RNAseq.pptx
+++ b/book/lectures/AUR_2023_Module4_RNAseq.pptx
@@ -12161,7 +12161,7 @@
             <a:pPr marL="514350" lvl="1" indent="-171450"/>
             <a:r>
               <a:rPr lang="en-CA" dirty="0"/>
-              <a:t>Learn how to use p-value histograms and QQ-plots to gauge how much signal you have in the data</a:t>
+              <a:t>Learn how to use p-value histograms and QQ-plots to gauge how much signal you have after multiple hypothesis testing</a:t>
             </a:r>
           </a:p>
           <a:p>
@@ -12938,7 +12938,7 @@
         </p:nvSpPr>
         <p:spPr>
           <a:xfrm>
-            <a:off x="8981424" y="4206260"/>
+            <a:off x="9077559" y="4223150"/>
             <a:ext cx="1574074" cy="1569660"/>
           </a:xfrm>
           <a:prstGeom prst="rect">
@@ -13031,7 +13031,26 @@
                 <a:latin typeface="Roboto" panose="02000000000000000000" pitchFamily="2" charset="0"/>
                 <a:ea typeface="Roboto" panose="02000000000000000000" pitchFamily="2" charset="0"/>
               </a:rPr>
-              <a:t>“Differentially expressed genes” = Those passing false discovery rate &lt; 0.05</a:t>
+              <a:t>“Differentially expressed genes” = </a:t>
+            </a:r>
+            <a:br>
+              <a:rPr lang="en-US" sz="1100" dirty="0">
+                <a:solidFill>
+                  <a:schemeClr val="tx1"/>
+                </a:solidFill>
+                <a:latin typeface="Roboto" panose="02000000000000000000" pitchFamily="2" charset="0"/>
+                <a:ea typeface="Roboto" panose="02000000000000000000" pitchFamily="2" charset="0"/>
+              </a:rPr>
+            </a:br>
+            <a:r>
+              <a:rPr lang="en-US" sz="1100" dirty="0">
+                <a:solidFill>
+                  <a:schemeClr val="tx1"/>
+                </a:solidFill>
+                <a:latin typeface="Roboto" panose="02000000000000000000" pitchFamily="2" charset="0"/>
+                <a:ea typeface="Roboto" panose="02000000000000000000" pitchFamily="2" charset="0"/>
+              </a:rPr>
+              <a:t>Adjusted p-value &lt; 0.05</a:t>
             </a:r>
           </a:p>
         </p:txBody>
@@ -13380,9 +13399,9 @@
         <p:grpSpPr>
           <a:xfrm>
             <a:off x="3586549" y="4024471"/>
-            <a:ext cx="5375419" cy="954107"/>
+            <a:ext cx="5761742" cy="954107"/>
             <a:chOff x="3586549" y="4024471"/>
-            <a:chExt cx="5375419" cy="954107"/>
+            <a:chExt cx="5761742" cy="954107"/>
           </a:xfrm>
         </p:grpSpPr>
         <p:grpSp>
@@ -13400,9 +13419,9 @@
           <p:grpSpPr>
             <a:xfrm>
               <a:off x="6588091" y="4024471"/>
-              <a:ext cx="2373877" cy="954107"/>
+              <a:ext cx="2760200" cy="954107"/>
               <a:chOff x="6588091" y="4246894"/>
-              <a:chExt cx="2373877" cy="954107"/>
+              <a:chExt cx="2760200" cy="954107"/>
             </a:xfrm>
           </p:grpSpPr>
           <p:sp>
@@ -13525,7 +13544,7 @@
             <p:spPr>
               <a:xfrm>
                 <a:off x="7970991" y="4545743"/>
-                <a:ext cx="990977" cy="523220"/>
+                <a:ext cx="1377300" cy="523220"/>
               </a:xfrm>
               <a:prstGeom prst="rect">
                 <a:avLst/>
@@ -13546,7 +13565,7 @@
               <a:p>
                 <a:r>
                   <a:rPr lang="en-US" dirty="0"/>
-                  <a:t>ratio test</a:t>
+                  <a:t>ratio test (LRT)</a:t>
                 </a:r>
               </a:p>
             </p:txBody>
@@ -13710,6 +13729,50 @@
               <a:rPr lang="en-US" dirty="0"/>
               <a:t>*</a:t>
             </a:r>
+          </a:p>
+        </p:txBody>
+      </p:sp>
+      <p:sp>
+        <p:nvSpPr>
+          <p:cNvPr id="3" name="TextBox 2">
+            <a:extLst>
+              <a:ext uri="{FF2B5EF4-FFF2-40B4-BE49-F238E27FC236}">
+                <a16:creationId xmlns:a16="http://schemas.microsoft.com/office/drawing/2014/main" id="{2E67DBCB-AC29-C4AE-3A8F-CED2F95895B1}"/>
+              </a:ext>
+            </a:extLst>
+          </p:cNvPr>
+          <p:cNvSpPr txBox="1"/>
+          <p:nvPr/>
+        </p:nvSpPr>
+        <p:spPr>
+          <a:xfrm>
+            <a:off x="3788229" y="5231681"/>
+            <a:ext cx="3497897" cy="338554"/>
+          </a:xfrm>
+          <a:prstGeom prst="rect">
+            <a:avLst/>
+          </a:prstGeom>
+          <a:noFill/>
+        </p:spPr>
+        <p:txBody>
+          <a:bodyPr wrap="square">
+            <a:spAutoFit/>
+          </a:bodyPr>
+          <a:lstStyle/>
+          <a:p>
+            <a:r>
+              <a:rPr lang="en-US" sz="1600" dirty="0">
+                <a:solidFill>
+                  <a:schemeClr val="tx1"/>
+                </a:solidFill>
+              </a:rPr>
+              <a:t>Correct for multiple tests</a:t>
+            </a:r>
+            <a:endParaRPr lang="en-US" sz="1600" i="1" dirty="0">
+              <a:solidFill>
+                <a:schemeClr val="tx1"/>
+              </a:solidFill>
+            </a:endParaRPr>
           </a:p>
         </p:txBody>
       </p:sp>
@@ -14091,6 +14154,51 @@
                       </p:childTnLst>
                     </p:cTn>
                   </p:par>
+                  <p:par>
+                    <p:cTn id="35" fill="hold">
+                      <p:stCondLst>
+                        <p:cond delay="indefinite"/>
+                      </p:stCondLst>
+                      <p:childTnLst>
+                        <p:par>
+                          <p:cTn id="36" fill="hold">
+                            <p:stCondLst>
+                              <p:cond delay="0"/>
+                            </p:stCondLst>
+                            <p:childTnLst>
+                              <p:par>
+                                <p:cTn id="37" presetID="1" presetClass="entr" presetSubtype="0" fill="hold" grpId="0" nodeType="clickEffect">
+                                  <p:stCondLst>
+                                    <p:cond delay="0"/>
+                                  </p:stCondLst>
+                                  <p:childTnLst>
+                                    <p:set>
+                                      <p:cBhvr>
+                                        <p:cTn id="38" dur="1" fill="hold">
+                                          <p:stCondLst>
+                                            <p:cond delay="0"/>
+                                          </p:stCondLst>
+                                        </p:cTn>
+                                        <p:tgtEl>
+                                          <p:spTgt spid="3"/>
+                                        </p:tgtEl>
+                                        <p:attrNameLst>
+                                          <p:attrName>style.visibility</p:attrName>
+                                        </p:attrNameLst>
+                                      </p:cBhvr>
+                                      <p:to>
+                                        <p:strVal val="visible"/>
+                                      </p:to>
+                                    </p:set>
+                                  </p:childTnLst>
+                                </p:cTn>
+                              </p:par>
+                            </p:childTnLst>
+                          </p:cTn>
+                        </p:par>
+                      </p:childTnLst>
+                    </p:cTn>
+                  </p:par>
                 </p:childTnLst>
               </p:cTn>
               <p:prevCondLst>
@@ -14119,6 +14227,7 @@
       <p:bldP spid="17" grpId="0"/>
       <p:bldP spid="21" grpId="0"/>
       <p:bldP spid="23" grpId="0"/>
+      <p:bldP spid="3" grpId="0"/>
     </p:bldLst>
   </p:timing>
 </p:sld>
@@ -14322,7 +14431,7 @@
         </p:nvSpPr>
         <p:spPr>
           <a:xfrm>
-            <a:off x="814467" y="1166782"/>
+            <a:off x="896763" y="947326"/>
             <a:ext cx="3844322" cy="338554"/>
           </a:xfrm>
           <a:prstGeom prst="rect">
@@ -14338,55 +14447,13 @@
           <a:p>
             <a:pPr algn="ctr"/>
             <a:r>
-              <a:rPr lang="en-US" sz="1600" dirty="0"/>
+              <a:rPr lang="en-US" sz="1600" dirty="0">
+                <a:solidFill>
+                  <a:schemeClr val="accent1"/>
+                </a:solidFill>
+              </a:rPr>
               <a:t>Module 1: Exploring data systematically </a:t>
             </a:r>
-          </a:p>
-        </p:txBody>
-      </p:sp>
-      <p:sp>
-        <p:nvSpPr>
-          <p:cNvPr id="4" name="Rectangle 3">
-            <a:extLst>
-              <a:ext uri="{FF2B5EF4-FFF2-40B4-BE49-F238E27FC236}">
-                <a16:creationId xmlns:a16="http://schemas.microsoft.com/office/drawing/2014/main" id="{A0663FF5-68AC-C60C-60D7-C768A85FFF71}"/>
-              </a:ext>
-            </a:extLst>
-          </p:cNvPr>
-          <p:cNvSpPr/>
-          <p:nvPr/>
-        </p:nvSpPr>
-        <p:spPr>
-          <a:xfrm>
-            <a:off x="1681637" y="1689956"/>
-            <a:ext cx="1871460" cy="1502228"/>
-          </a:xfrm>
-          <a:prstGeom prst="rect">
-            <a:avLst/>
-          </a:prstGeom>
-        </p:spPr>
-        <p:style>
-          <a:lnRef idx="2">
-            <a:schemeClr val="accent1">
-              <a:shade val="15000"/>
-            </a:schemeClr>
-          </a:lnRef>
-          <a:fillRef idx="1">
-            <a:schemeClr val="accent1"/>
-          </a:fillRef>
-          <a:effectRef idx="0">
-            <a:schemeClr val="accent1"/>
-          </a:effectRef>
-          <a:fontRef idx="minor">
-            <a:schemeClr val="lt1"/>
-          </a:fontRef>
-        </p:style>
-        <p:txBody>
-          <a:bodyPr rtlCol="0" anchor="ctr"/>
-          <a:lstStyle/>
-          <a:p>
-            <a:pPr algn="ctr"/>
-            <a:endParaRPr lang="en-US"/>
           </a:p>
         </p:txBody>
       </p:sp>
@@ -14404,7 +14471,7 @@
         </p:nvSpPr>
         <p:spPr>
           <a:xfrm>
-            <a:off x="6090878" y="1170430"/>
+            <a:off x="6090878" y="947326"/>
             <a:ext cx="4310795" cy="584775"/>
           </a:xfrm>
           <a:prstGeom prst="rect">
@@ -14420,14 +14487,22 @@
           <a:p>
             <a:pPr algn="ctr"/>
             <a:r>
-              <a:rPr lang="en-US" sz="1600" dirty="0"/>
+              <a:rPr lang="en-US" sz="1600" dirty="0">
+                <a:solidFill>
+                  <a:schemeClr val="accent1"/>
+                </a:solidFill>
+              </a:rPr>
               <a:t>Module 2: Dimensionality reduction to identify</a:t>
             </a:r>
           </a:p>
           <a:p>
             <a:pPr algn="ctr"/>
             <a:r>
-              <a:rPr lang="en-US" sz="1600" dirty="0"/>
+              <a:rPr lang="en-US" sz="1600" dirty="0">
+                <a:solidFill>
+                  <a:schemeClr val="accent1"/>
+                </a:solidFill>
+              </a:rPr>
               <a:t>major sources of variation in your data</a:t>
             </a:r>
           </a:p>
@@ -14447,7 +14522,7 @@
         </p:nvSpPr>
         <p:spPr>
           <a:xfrm>
-            <a:off x="541155" y="3556579"/>
+            <a:off x="623451" y="3822712"/>
             <a:ext cx="4390947" cy="584775"/>
           </a:xfrm>
           <a:prstGeom prst="rect">
@@ -14463,22 +14538,42 @@
           <a:p>
             <a:pPr algn="ctr"/>
             <a:r>
-              <a:rPr lang="en-US" sz="1600" dirty="0"/>
+              <a:rPr lang="en-US" sz="1600" dirty="0">
+                <a:solidFill>
+                  <a:schemeClr val="accent1"/>
+                </a:solidFill>
+              </a:rPr>
               <a:t>Module 3: Generalized linear models to fit</a:t>
             </a:r>
             <a:br>
-              <a:rPr lang="en-US" sz="1600" dirty="0"/>
+              <a:rPr lang="en-US" sz="1600" dirty="0">
+                <a:solidFill>
+                  <a:schemeClr val="accent1"/>
+                </a:solidFill>
+              </a:rPr>
             </a:br>
             <a:r>
-              <a:rPr lang="en-US" sz="1600" dirty="0"/>
+              <a:rPr lang="en-US" sz="1600" dirty="0">
+                <a:solidFill>
+                  <a:schemeClr val="accent1"/>
+                </a:solidFill>
+              </a:rPr>
               <a:t>binary response variables (and </a:t>
             </a:r>
             <a:r>
-              <a:rPr lang="en-US" sz="1600" dirty="0" err="1"/>
+              <a:rPr lang="en-US" sz="1600" dirty="0" err="1">
+                <a:solidFill>
+                  <a:schemeClr val="accent1"/>
+                </a:solidFill>
+              </a:rPr>
               <a:t>RNAseq</a:t>
             </a:r>
             <a:r>
-              <a:rPr lang="en-US" sz="1600" dirty="0"/>
+              <a:rPr lang="en-US" sz="1600" dirty="0">
+                <a:solidFill>
+                  <a:schemeClr val="accent1"/>
+                </a:solidFill>
+              </a:rPr>
               <a:t> data!)</a:t>
             </a:r>
           </a:p>
@@ -14498,7 +14593,7 @@
         </p:nvSpPr>
         <p:spPr>
           <a:xfrm>
-            <a:off x="6046469" y="3556578"/>
+            <a:off x="6204691" y="3822712"/>
             <a:ext cx="4083169" cy="584775"/>
           </a:xfrm>
           <a:prstGeom prst="rect">
@@ -14514,157 +14609,1681 @@
           <a:p>
             <a:pPr algn="ctr"/>
             <a:r>
-              <a:rPr lang="en-US" sz="1600" dirty="0"/>
+              <a:rPr lang="en-US" sz="1600" dirty="0">
+                <a:solidFill>
+                  <a:schemeClr val="accent1"/>
+                </a:solidFill>
+              </a:rPr>
               <a:t>Module 4: Differential expression analysis: </a:t>
             </a:r>
             <a:br>
-              <a:rPr lang="en-US" sz="1600" dirty="0"/>
+              <a:rPr lang="en-US" sz="1600" dirty="0">
+                <a:solidFill>
+                  <a:schemeClr val="accent1"/>
+                </a:solidFill>
+              </a:rPr>
             </a:br>
             <a:r>
-              <a:rPr lang="en-US" sz="1600" dirty="0"/>
-              <a:t>Multiple hypothesis testing, GLM models</a:t>
+              <a:rPr lang="en-US" sz="1600" dirty="0">
+                <a:solidFill>
+                  <a:schemeClr val="accent1"/>
+                </a:solidFill>
+              </a:rPr>
+              <a:t>Multiple hypothesis testing</a:t>
             </a:r>
           </a:p>
         </p:txBody>
       </p:sp>
-      <p:sp>
-        <p:nvSpPr>
-          <p:cNvPr id="9" name="Rectangle 8">
+      <p:pic>
+        <p:nvPicPr>
+          <p:cNvPr id="6" name="Picture 5" descr="A picture containing text, screenshot, font, document&#10;&#10;Description automatically generated">
             <a:extLst>
               <a:ext uri="{FF2B5EF4-FFF2-40B4-BE49-F238E27FC236}">
-                <a16:creationId xmlns:a16="http://schemas.microsoft.com/office/drawing/2014/main" id="{35DA3681-1388-4CB1-BF8D-E62602D645C3}"/>
+                <a16:creationId xmlns:a16="http://schemas.microsoft.com/office/drawing/2014/main" id="{8D566E2A-E785-E01F-B1AE-61AB1B500636}"/>
               </a:ext>
             </a:extLst>
           </p:cNvPr>
-          <p:cNvSpPr/>
+          <p:cNvPicPr>
+            <a:picLocks noChangeAspect="1"/>
+          </p:cNvPicPr>
           <p:nvPr/>
-        </p:nvSpPr>
+        </p:nvPicPr>
+        <p:blipFill>
+          <a:blip r:embed="rId2"/>
+          <a:stretch>
+            <a:fillRect/>
+          </a:stretch>
+        </p:blipFill>
         <p:spPr>
           <a:xfrm>
-            <a:off x="7310545" y="1755205"/>
-            <a:ext cx="1871460" cy="1502228"/>
+            <a:off x="1869345" y="1505336"/>
+            <a:ext cx="1899159" cy="1923664"/>
+          </a:xfrm>
+          <a:prstGeom prst="rect">
+            <a:avLst/>
+          </a:prstGeom>
+          <a:ln w="38100">
+            <a:solidFill>
+              <a:schemeClr val="accent2"/>
+            </a:solidFill>
+          </a:ln>
+        </p:spPr>
+      </p:pic>
+      <p:grpSp>
+        <p:nvGrpSpPr>
+          <p:cNvPr id="49" name="Group 48">
+            <a:extLst>
+              <a:ext uri="{FF2B5EF4-FFF2-40B4-BE49-F238E27FC236}">
+                <a16:creationId xmlns:a16="http://schemas.microsoft.com/office/drawing/2014/main" id="{BAA14EE6-F83D-CBF6-CD7B-11027D3FC67A}"/>
+              </a:ext>
+            </a:extLst>
+          </p:cNvPr>
+          <p:cNvGrpSpPr/>
+          <p:nvPr/>
+        </p:nvGrpSpPr>
+        <p:grpSpPr>
+          <a:xfrm>
+            <a:off x="6409194" y="1805030"/>
+            <a:ext cx="3674162" cy="1590292"/>
+            <a:chOff x="6255721" y="1805030"/>
+            <a:chExt cx="3674162" cy="1590292"/>
+          </a:xfrm>
+        </p:grpSpPr>
+        <p:grpSp>
+          <p:nvGrpSpPr>
+            <p:cNvPr id="12" name="Group 11">
+              <a:extLst>
+                <a:ext uri="{FF2B5EF4-FFF2-40B4-BE49-F238E27FC236}">
+                  <a16:creationId xmlns:a16="http://schemas.microsoft.com/office/drawing/2014/main" id="{87047230-24BA-20DB-59D8-23229110D0E7}"/>
+                </a:ext>
+              </a:extLst>
+            </p:cNvPr>
+            <p:cNvGrpSpPr/>
+            <p:nvPr/>
+          </p:nvGrpSpPr>
+          <p:grpSpPr>
+            <a:xfrm>
+              <a:off x="6255721" y="2013440"/>
+              <a:ext cx="1635551" cy="1110774"/>
+              <a:chOff x="6637328" y="1765586"/>
+              <a:chExt cx="4330642" cy="3316601"/>
+            </a:xfrm>
+          </p:grpSpPr>
+          <p:cxnSp>
+            <p:nvCxnSpPr>
+              <p:cNvPr id="13" name="Straight Connector 12">
+                <a:extLst>
+                  <a:ext uri="{FF2B5EF4-FFF2-40B4-BE49-F238E27FC236}">
+                    <a16:creationId xmlns:a16="http://schemas.microsoft.com/office/drawing/2014/main" id="{230CA2DE-F546-26D7-C1C3-ACE9EC3AABE4}"/>
+                  </a:ext>
+                </a:extLst>
+              </p:cNvPr>
+              <p:cNvCxnSpPr/>
+              <p:nvPr/>
+            </p:nvCxnSpPr>
+            <p:spPr>
+              <a:xfrm>
+                <a:off x="6720225" y="4053489"/>
+                <a:ext cx="4247745" cy="0"/>
+              </a:xfrm>
+              <a:prstGeom prst="line">
+                <a:avLst/>
+              </a:prstGeom>
+              <a:ln w="9525" cap="flat" cmpd="sng" algn="ctr">
+                <a:solidFill>
+                  <a:schemeClr val="dk1"/>
+                </a:solidFill>
+                <a:prstDash val="solid"/>
+                <a:round/>
+                <a:headEnd type="none" w="med" len="med"/>
+                <a:tailEnd type="arrow" w="med" len="med"/>
+              </a:ln>
+            </p:spPr>
+            <p:style>
+              <a:lnRef idx="0">
+                <a:scrgbClr r="0" g="0" b="0"/>
+              </a:lnRef>
+              <a:fillRef idx="0">
+                <a:scrgbClr r="0" g="0" b="0"/>
+              </a:fillRef>
+              <a:effectRef idx="0">
+                <a:scrgbClr r="0" g="0" b="0"/>
+              </a:effectRef>
+              <a:fontRef idx="minor">
+                <a:schemeClr val="tx1"/>
+              </a:fontRef>
+            </p:style>
+          </p:cxnSp>
+          <p:cxnSp>
+            <p:nvCxnSpPr>
+              <p:cNvPr id="14" name="Straight Connector 13">
+                <a:extLst>
+                  <a:ext uri="{FF2B5EF4-FFF2-40B4-BE49-F238E27FC236}">
+                    <a16:creationId xmlns:a16="http://schemas.microsoft.com/office/drawing/2014/main" id="{7DE81253-B905-5405-C824-C8C43AA60CA7}"/>
+                  </a:ext>
+                </a:extLst>
+              </p:cNvPr>
+              <p:cNvCxnSpPr>
+                <a:cxnSpLocks/>
+              </p:cNvCxnSpPr>
+              <p:nvPr/>
+            </p:nvCxnSpPr>
+            <p:spPr>
+              <a:xfrm flipV="1">
+                <a:off x="8510925" y="1765586"/>
+                <a:ext cx="0" cy="3316601"/>
+              </a:xfrm>
+              <a:prstGeom prst="line">
+                <a:avLst/>
+              </a:prstGeom>
+              <a:ln w="9525" cap="flat" cmpd="sng" algn="ctr">
+                <a:solidFill>
+                  <a:schemeClr val="dk1"/>
+                </a:solidFill>
+                <a:prstDash val="solid"/>
+                <a:round/>
+                <a:headEnd type="none" w="med" len="med"/>
+                <a:tailEnd type="arrow" w="med" len="med"/>
+              </a:ln>
+            </p:spPr>
+            <p:style>
+              <a:lnRef idx="0">
+                <a:scrgbClr r="0" g="0" b="0"/>
+              </a:lnRef>
+              <a:fillRef idx="0">
+                <a:scrgbClr r="0" g="0" b="0"/>
+              </a:fillRef>
+              <a:effectRef idx="0">
+                <a:scrgbClr r="0" g="0" b="0"/>
+              </a:effectRef>
+              <a:fontRef idx="minor">
+                <a:schemeClr val="tx1"/>
+              </a:fontRef>
+            </p:style>
+          </p:cxnSp>
+          <p:sp>
+            <p:nvSpPr>
+              <p:cNvPr id="15" name="Oval 14">
+                <a:extLst>
+                  <a:ext uri="{FF2B5EF4-FFF2-40B4-BE49-F238E27FC236}">
+                    <a16:creationId xmlns:a16="http://schemas.microsoft.com/office/drawing/2014/main" id="{2A139890-4EED-5083-80F6-6900867E77CE}"/>
+                  </a:ext>
+                </a:extLst>
+              </p:cNvPr>
+              <p:cNvSpPr/>
+              <p:nvPr/>
+            </p:nvSpPr>
+            <p:spPr>
+              <a:xfrm>
+                <a:off x="8467672" y="3289734"/>
+                <a:ext cx="86506" cy="86506"/>
+              </a:xfrm>
+              <a:prstGeom prst="ellipse">
+                <a:avLst/>
+              </a:prstGeom>
+              <a:solidFill>
+                <a:srgbClr val="00B0F0"/>
+              </a:solidFill>
+              <a:ln>
+                <a:solidFill>
+                  <a:srgbClr val="00B0F0"/>
+                </a:solidFill>
+              </a:ln>
+            </p:spPr>
+            <p:style>
+              <a:lnRef idx="2">
+                <a:schemeClr val="accent1">
+                  <a:shade val="15000"/>
+                </a:schemeClr>
+              </a:lnRef>
+              <a:fillRef idx="1">
+                <a:schemeClr val="accent1"/>
+              </a:fillRef>
+              <a:effectRef idx="0">
+                <a:schemeClr val="accent1"/>
+              </a:effectRef>
+              <a:fontRef idx="minor">
+                <a:schemeClr val="lt1"/>
+              </a:fontRef>
+            </p:style>
+            <p:txBody>
+              <a:bodyPr rtlCol="0" anchor="ctr"/>
+              <a:lstStyle/>
+              <a:p>
+                <a:pPr algn="ctr"/>
+                <a:endParaRPr lang="en-CA"/>
+              </a:p>
+            </p:txBody>
+          </p:sp>
+          <p:sp>
+            <p:nvSpPr>
+              <p:cNvPr id="16" name="Oval 15">
+                <a:extLst>
+                  <a:ext uri="{FF2B5EF4-FFF2-40B4-BE49-F238E27FC236}">
+                    <a16:creationId xmlns:a16="http://schemas.microsoft.com/office/drawing/2014/main" id="{C32A1E26-DB0B-9C1B-9BA0-2CFC313A264A}"/>
+                  </a:ext>
+                </a:extLst>
+              </p:cNvPr>
+              <p:cNvSpPr/>
+              <p:nvPr/>
+            </p:nvSpPr>
+            <p:spPr>
+              <a:xfrm>
+                <a:off x="8700466" y="3483243"/>
+                <a:ext cx="86506" cy="86506"/>
+              </a:xfrm>
+              <a:prstGeom prst="ellipse">
+                <a:avLst/>
+              </a:prstGeom>
+              <a:solidFill>
+                <a:srgbClr val="00B0F0"/>
+              </a:solidFill>
+              <a:ln>
+                <a:solidFill>
+                  <a:srgbClr val="00B0F0"/>
+                </a:solidFill>
+              </a:ln>
+            </p:spPr>
+            <p:style>
+              <a:lnRef idx="2">
+                <a:schemeClr val="accent1">
+                  <a:shade val="15000"/>
+                </a:schemeClr>
+              </a:lnRef>
+              <a:fillRef idx="1">
+                <a:schemeClr val="accent1"/>
+              </a:fillRef>
+              <a:effectRef idx="0">
+                <a:schemeClr val="accent1"/>
+              </a:effectRef>
+              <a:fontRef idx="minor">
+                <a:schemeClr val="lt1"/>
+              </a:fontRef>
+            </p:style>
+            <p:txBody>
+              <a:bodyPr rtlCol="0" anchor="ctr"/>
+              <a:lstStyle/>
+              <a:p>
+                <a:pPr algn="ctr"/>
+                <a:endParaRPr lang="en-CA"/>
+              </a:p>
+            </p:txBody>
+          </p:sp>
+          <p:sp>
+            <p:nvSpPr>
+              <p:cNvPr id="17" name="Oval 16">
+                <a:extLst>
+                  <a:ext uri="{FF2B5EF4-FFF2-40B4-BE49-F238E27FC236}">
+                    <a16:creationId xmlns:a16="http://schemas.microsoft.com/office/drawing/2014/main" id="{79F84AC2-08B1-3B75-91FF-4F205442CBBD}"/>
+                  </a:ext>
+                </a:extLst>
+              </p:cNvPr>
+              <p:cNvSpPr/>
+              <p:nvPr/>
+            </p:nvSpPr>
+            <p:spPr>
+              <a:xfrm>
+                <a:off x="8488228" y="3713220"/>
+                <a:ext cx="86506" cy="86506"/>
+              </a:xfrm>
+              <a:prstGeom prst="ellipse">
+                <a:avLst/>
+              </a:prstGeom>
+              <a:solidFill>
+                <a:srgbClr val="00B0F0"/>
+              </a:solidFill>
+              <a:ln>
+                <a:solidFill>
+                  <a:srgbClr val="00B0F0"/>
+                </a:solidFill>
+              </a:ln>
+            </p:spPr>
+            <p:style>
+              <a:lnRef idx="2">
+                <a:schemeClr val="accent1">
+                  <a:shade val="15000"/>
+                </a:schemeClr>
+              </a:lnRef>
+              <a:fillRef idx="1">
+                <a:schemeClr val="accent1"/>
+              </a:fillRef>
+              <a:effectRef idx="0">
+                <a:schemeClr val="accent1"/>
+              </a:effectRef>
+              <a:fontRef idx="minor">
+                <a:schemeClr val="lt1"/>
+              </a:fontRef>
+            </p:style>
+            <p:txBody>
+              <a:bodyPr rtlCol="0" anchor="ctr"/>
+              <a:lstStyle/>
+              <a:p>
+                <a:pPr algn="ctr"/>
+                <a:endParaRPr lang="en-CA"/>
+              </a:p>
+            </p:txBody>
+          </p:sp>
+          <p:sp>
+            <p:nvSpPr>
+              <p:cNvPr id="18" name="Oval 17">
+                <a:extLst>
+                  <a:ext uri="{FF2B5EF4-FFF2-40B4-BE49-F238E27FC236}">
+                    <a16:creationId xmlns:a16="http://schemas.microsoft.com/office/drawing/2014/main" id="{5C1DB485-8ED9-BCA7-BB23-90D9530237D5}"/>
+                  </a:ext>
+                </a:extLst>
+              </p:cNvPr>
+              <p:cNvSpPr/>
+              <p:nvPr/>
+            </p:nvSpPr>
+            <p:spPr>
+              <a:xfrm>
+                <a:off x="8873698" y="3734491"/>
+                <a:ext cx="86506" cy="86506"/>
+              </a:xfrm>
+              <a:prstGeom prst="ellipse">
+                <a:avLst/>
+              </a:prstGeom>
+              <a:solidFill>
+                <a:srgbClr val="00B0F0"/>
+              </a:solidFill>
+              <a:ln>
+                <a:solidFill>
+                  <a:srgbClr val="00B0F0"/>
+                </a:solidFill>
+              </a:ln>
+            </p:spPr>
+            <p:style>
+              <a:lnRef idx="2">
+                <a:schemeClr val="accent1">
+                  <a:shade val="15000"/>
+                </a:schemeClr>
+              </a:lnRef>
+              <a:fillRef idx="1">
+                <a:schemeClr val="accent1"/>
+              </a:fillRef>
+              <a:effectRef idx="0">
+                <a:schemeClr val="accent1"/>
+              </a:effectRef>
+              <a:fontRef idx="minor">
+                <a:schemeClr val="lt1"/>
+              </a:fontRef>
+            </p:style>
+            <p:txBody>
+              <a:bodyPr rtlCol="0" anchor="ctr"/>
+              <a:lstStyle/>
+              <a:p>
+                <a:pPr algn="ctr"/>
+                <a:endParaRPr lang="en-CA"/>
+              </a:p>
+            </p:txBody>
+          </p:sp>
+          <p:sp>
+            <p:nvSpPr>
+              <p:cNvPr id="19" name="Oval 18">
+                <a:extLst>
+                  <a:ext uri="{FF2B5EF4-FFF2-40B4-BE49-F238E27FC236}">
+                    <a16:creationId xmlns:a16="http://schemas.microsoft.com/office/drawing/2014/main" id="{A0D89A0B-455C-62CE-72B2-CF4BAEB662E0}"/>
+                  </a:ext>
+                </a:extLst>
+              </p:cNvPr>
+              <p:cNvSpPr/>
+              <p:nvPr/>
+            </p:nvSpPr>
+            <p:spPr>
+              <a:xfrm>
+                <a:off x="8286090" y="3729603"/>
+                <a:ext cx="86506" cy="86506"/>
+              </a:xfrm>
+              <a:prstGeom prst="ellipse">
+                <a:avLst/>
+              </a:prstGeom>
+              <a:solidFill>
+                <a:srgbClr val="00B0F0"/>
+              </a:solidFill>
+              <a:ln>
+                <a:solidFill>
+                  <a:srgbClr val="00B0F0"/>
+                </a:solidFill>
+              </a:ln>
+            </p:spPr>
+            <p:style>
+              <a:lnRef idx="2">
+                <a:schemeClr val="accent1">
+                  <a:shade val="15000"/>
+                </a:schemeClr>
+              </a:lnRef>
+              <a:fillRef idx="1">
+                <a:schemeClr val="accent1"/>
+              </a:fillRef>
+              <a:effectRef idx="0">
+                <a:schemeClr val="accent1"/>
+              </a:effectRef>
+              <a:fontRef idx="minor">
+                <a:schemeClr val="lt1"/>
+              </a:fontRef>
+            </p:style>
+            <p:txBody>
+              <a:bodyPr rtlCol="0" anchor="ctr"/>
+              <a:lstStyle/>
+              <a:p>
+                <a:pPr algn="ctr"/>
+                <a:endParaRPr lang="en-CA"/>
+              </a:p>
+            </p:txBody>
+          </p:sp>
+          <p:sp>
+            <p:nvSpPr>
+              <p:cNvPr id="20" name="Oval 19">
+                <a:extLst>
+                  <a:ext uri="{FF2B5EF4-FFF2-40B4-BE49-F238E27FC236}">
+                    <a16:creationId xmlns:a16="http://schemas.microsoft.com/office/drawing/2014/main" id="{83900FF4-8F64-ED12-2862-F3B2BA95C807}"/>
+                  </a:ext>
+                </a:extLst>
+              </p:cNvPr>
+              <p:cNvSpPr/>
+              <p:nvPr/>
+            </p:nvSpPr>
+            <p:spPr>
+              <a:xfrm>
+                <a:off x="8576009" y="3945868"/>
+                <a:ext cx="86506" cy="86506"/>
+              </a:xfrm>
+              <a:prstGeom prst="ellipse">
+                <a:avLst/>
+              </a:prstGeom>
+              <a:solidFill>
+                <a:srgbClr val="00B0F0"/>
+              </a:solidFill>
+              <a:ln>
+                <a:solidFill>
+                  <a:srgbClr val="00B0F0"/>
+                </a:solidFill>
+              </a:ln>
+            </p:spPr>
+            <p:style>
+              <a:lnRef idx="2">
+                <a:schemeClr val="accent1">
+                  <a:shade val="15000"/>
+                </a:schemeClr>
+              </a:lnRef>
+              <a:fillRef idx="1">
+                <a:schemeClr val="accent1"/>
+              </a:fillRef>
+              <a:effectRef idx="0">
+                <a:schemeClr val="accent1"/>
+              </a:effectRef>
+              <a:fontRef idx="minor">
+                <a:schemeClr val="lt1"/>
+              </a:fontRef>
+            </p:style>
+            <p:txBody>
+              <a:bodyPr rtlCol="0" anchor="ctr"/>
+              <a:lstStyle/>
+              <a:p>
+                <a:pPr algn="ctr"/>
+                <a:endParaRPr lang="en-CA"/>
+              </a:p>
+            </p:txBody>
+          </p:sp>
+          <p:sp>
+            <p:nvSpPr>
+              <p:cNvPr id="21" name="Oval 20">
+                <a:extLst>
+                  <a:ext uri="{FF2B5EF4-FFF2-40B4-BE49-F238E27FC236}">
+                    <a16:creationId xmlns:a16="http://schemas.microsoft.com/office/drawing/2014/main" id="{B0872384-5CB9-BC12-9C5E-CE3347C6238B}"/>
+                  </a:ext>
+                </a:extLst>
+              </p:cNvPr>
+              <p:cNvSpPr/>
+              <p:nvPr/>
+            </p:nvSpPr>
+            <p:spPr>
+              <a:xfrm>
+                <a:off x="8348625" y="4010236"/>
+                <a:ext cx="86506" cy="86506"/>
+              </a:xfrm>
+              <a:prstGeom prst="ellipse">
+                <a:avLst/>
+              </a:prstGeom>
+              <a:solidFill>
+                <a:srgbClr val="00B0F0"/>
+              </a:solidFill>
+              <a:ln>
+                <a:solidFill>
+                  <a:srgbClr val="00B0F0"/>
+                </a:solidFill>
+              </a:ln>
+            </p:spPr>
+            <p:style>
+              <a:lnRef idx="2">
+                <a:schemeClr val="accent1">
+                  <a:shade val="15000"/>
+                </a:schemeClr>
+              </a:lnRef>
+              <a:fillRef idx="1">
+                <a:schemeClr val="accent1"/>
+              </a:fillRef>
+              <a:effectRef idx="0">
+                <a:schemeClr val="accent1"/>
+              </a:effectRef>
+              <a:fontRef idx="minor">
+                <a:schemeClr val="lt1"/>
+              </a:fontRef>
+            </p:style>
+            <p:txBody>
+              <a:bodyPr rtlCol="0" anchor="ctr"/>
+              <a:lstStyle/>
+              <a:p>
+                <a:pPr algn="ctr"/>
+                <a:endParaRPr lang="en-CA"/>
+              </a:p>
+            </p:txBody>
+          </p:sp>
+          <p:sp>
+            <p:nvSpPr>
+              <p:cNvPr id="22" name="Oval 21">
+                <a:extLst>
+                  <a:ext uri="{FF2B5EF4-FFF2-40B4-BE49-F238E27FC236}">
+                    <a16:creationId xmlns:a16="http://schemas.microsoft.com/office/drawing/2014/main" id="{DB206364-B727-8C2D-D430-56964E6C820D}"/>
+                  </a:ext>
+                </a:extLst>
+              </p:cNvPr>
+              <p:cNvSpPr/>
+              <p:nvPr/>
+            </p:nvSpPr>
+            <p:spPr>
+              <a:xfrm>
+                <a:off x="8586720" y="4172255"/>
+                <a:ext cx="86506" cy="86506"/>
+              </a:xfrm>
+              <a:prstGeom prst="ellipse">
+                <a:avLst/>
+              </a:prstGeom>
+              <a:solidFill>
+                <a:srgbClr val="00B0F0"/>
+              </a:solidFill>
+              <a:ln>
+                <a:solidFill>
+                  <a:srgbClr val="00B0F0"/>
+                </a:solidFill>
+              </a:ln>
+            </p:spPr>
+            <p:style>
+              <a:lnRef idx="2">
+                <a:schemeClr val="accent1">
+                  <a:shade val="15000"/>
+                </a:schemeClr>
+              </a:lnRef>
+              <a:fillRef idx="1">
+                <a:schemeClr val="accent1"/>
+              </a:fillRef>
+              <a:effectRef idx="0">
+                <a:schemeClr val="accent1"/>
+              </a:effectRef>
+              <a:fontRef idx="minor">
+                <a:schemeClr val="lt1"/>
+              </a:fontRef>
+            </p:style>
+            <p:txBody>
+              <a:bodyPr rtlCol="0" anchor="ctr"/>
+              <a:lstStyle/>
+              <a:p>
+                <a:pPr algn="ctr"/>
+                <a:endParaRPr lang="en-CA"/>
+              </a:p>
+            </p:txBody>
+          </p:sp>
+          <p:sp>
+            <p:nvSpPr>
+              <p:cNvPr id="23" name="Oval 22">
+                <a:extLst>
+                  <a:ext uri="{FF2B5EF4-FFF2-40B4-BE49-F238E27FC236}">
+                    <a16:creationId xmlns:a16="http://schemas.microsoft.com/office/drawing/2014/main" id="{98E9915C-007A-9313-4035-190BD22CB401}"/>
+                  </a:ext>
+                </a:extLst>
+              </p:cNvPr>
+              <p:cNvSpPr/>
+              <p:nvPr/>
+            </p:nvSpPr>
+            <p:spPr>
+              <a:xfrm>
+                <a:off x="7885665" y="4118232"/>
+                <a:ext cx="86506" cy="86506"/>
+              </a:xfrm>
+              <a:prstGeom prst="ellipse">
+                <a:avLst/>
+              </a:prstGeom>
+              <a:solidFill>
+                <a:srgbClr val="00B0F0"/>
+              </a:solidFill>
+              <a:ln>
+                <a:solidFill>
+                  <a:srgbClr val="00B0F0"/>
+                </a:solidFill>
+              </a:ln>
+            </p:spPr>
+            <p:style>
+              <a:lnRef idx="2">
+                <a:schemeClr val="accent1">
+                  <a:shade val="15000"/>
+                </a:schemeClr>
+              </a:lnRef>
+              <a:fillRef idx="1">
+                <a:schemeClr val="accent1"/>
+              </a:fillRef>
+              <a:effectRef idx="0">
+                <a:schemeClr val="accent1"/>
+              </a:effectRef>
+              <a:fontRef idx="minor">
+                <a:schemeClr val="lt1"/>
+              </a:fontRef>
+            </p:style>
+            <p:txBody>
+              <a:bodyPr rtlCol="0" anchor="ctr"/>
+              <a:lstStyle/>
+              <a:p>
+                <a:pPr algn="ctr"/>
+                <a:endParaRPr lang="en-CA"/>
+              </a:p>
+            </p:txBody>
+          </p:sp>
+          <p:sp>
+            <p:nvSpPr>
+              <p:cNvPr id="24" name="Oval 23">
+                <a:extLst>
+                  <a:ext uri="{FF2B5EF4-FFF2-40B4-BE49-F238E27FC236}">
+                    <a16:creationId xmlns:a16="http://schemas.microsoft.com/office/drawing/2014/main" id="{090B32BD-FC96-BB1D-4AFC-E41990DC0EDB}"/>
+                  </a:ext>
+                </a:extLst>
+              </p:cNvPr>
+              <p:cNvSpPr/>
+              <p:nvPr/>
+            </p:nvSpPr>
+            <p:spPr>
+              <a:xfrm>
+                <a:off x="8183470" y="4087177"/>
+                <a:ext cx="86506" cy="86506"/>
+              </a:xfrm>
+              <a:prstGeom prst="ellipse">
+                <a:avLst/>
+              </a:prstGeom>
+              <a:solidFill>
+                <a:srgbClr val="00B0F0"/>
+              </a:solidFill>
+              <a:ln>
+                <a:solidFill>
+                  <a:srgbClr val="00B0F0"/>
+                </a:solidFill>
+              </a:ln>
+            </p:spPr>
+            <p:style>
+              <a:lnRef idx="2">
+                <a:schemeClr val="accent1">
+                  <a:shade val="15000"/>
+                </a:schemeClr>
+              </a:lnRef>
+              <a:fillRef idx="1">
+                <a:schemeClr val="accent1"/>
+              </a:fillRef>
+              <a:effectRef idx="0">
+                <a:schemeClr val="accent1"/>
+              </a:effectRef>
+              <a:fontRef idx="minor">
+                <a:schemeClr val="lt1"/>
+              </a:fontRef>
+            </p:style>
+            <p:txBody>
+              <a:bodyPr rtlCol="0" anchor="ctr"/>
+              <a:lstStyle/>
+              <a:p>
+                <a:pPr algn="ctr"/>
+                <a:endParaRPr lang="en-CA"/>
+              </a:p>
+            </p:txBody>
+          </p:sp>
+          <p:sp>
+            <p:nvSpPr>
+              <p:cNvPr id="25" name="Oval 24">
+                <a:extLst>
+                  <a:ext uri="{FF2B5EF4-FFF2-40B4-BE49-F238E27FC236}">
+                    <a16:creationId xmlns:a16="http://schemas.microsoft.com/office/drawing/2014/main" id="{15CC2C1E-C0CA-D5B1-AC46-43D9338B2F21}"/>
+                  </a:ext>
+                </a:extLst>
+              </p:cNvPr>
+              <p:cNvSpPr/>
+              <p:nvPr/>
+            </p:nvSpPr>
+            <p:spPr>
+              <a:xfrm>
+                <a:off x="8001821" y="4238282"/>
+                <a:ext cx="86506" cy="86506"/>
+              </a:xfrm>
+              <a:prstGeom prst="ellipse">
+                <a:avLst/>
+              </a:prstGeom>
+              <a:solidFill>
+                <a:srgbClr val="00B0F0"/>
+              </a:solidFill>
+              <a:ln>
+                <a:solidFill>
+                  <a:srgbClr val="00B0F0"/>
+                </a:solidFill>
+              </a:ln>
+            </p:spPr>
+            <p:style>
+              <a:lnRef idx="2">
+                <a:schemeClr val="accent1">
+                  <a:shade val="15000"/>
+                </a:schemeClr>
+              </a:lnRef>
+              <a:fillRef idx="1">
+                <a:schemeClr val="accent1"/>
+              </a:fillRef>
+              <a:effectRef idx="0">
+                <a:schemeClr val="accent1"/>
+              </a:effectRef>
+              <a:fontRef idx="minor">
+                <a:schemeClr val="lt1"/>
+              </a:fontRef>
+            </p:style>
+            <p:txBody>
+              <a:bodyPr rtlCol="0" anchor="ctr"/>
+              <a:lstStyle/>
+              <a:p>
+                <a:pPr algn="ctr"/>
+                <a:endParaRPr lang="en-CA"/>
+              </a:p>
+            </p:txBody>
+          </p:sp>
+          <p:sp>
+            <p:nvSpPr>
+              <p:cNvPr id="26" name="Oval 25">
+                <a:extLst>
+                  <a:ext uri="{FF2B5EF4-FFF2-40B4-BE49-F238E27FC236}">
+                    <a16:creationId xmlns:a16="http://schemas.microsoft.com/office/drawing/2014/main" id="{12321D1E-7DDC-7F24-C9A3-506F6B994AD4}"/>
+                  </a:ext>
+                </a:extLst>
+              </p:cNvPr>
+              <p:cNvSpPr/>
+              <p:nvPr/>
+            </p:nvSpPr>
+            <p:spPr>
+              <a:xfrm>
+                <a:off x="8131580" y="4214937"/>
+                <a:ext cx="86506" cy="86506"/>
+              </a:xfrm>
+              <a:prstGeom prst="ellipse">
+                <a:avLst/>
+              </a:prstGeom>
+              <a:solidFill>
+                <a:srgbClr val="00B0F0"/>
+              </a:solidFill>
+              <a:ln>
+                <a:solidFill>
+                  <a:srgbClr val="00B0F0"/>
+                </a:solidFill>
+              </a:ln>
+            </p:spPr>
+            <p:style>
+              <a:lnRef idx="2">
+                <a:schemeClr val="accent1">
+                  <a:shade val="15000"/>
+                </a:schemeClr>
+              </a:lnRef>
+              <a:fillRef idx="1">
+                <a:schemeClr val="accent1"/>
+              </a:fillRef>
+              <a:effectRef idx="0">
+                <a:schemeClr val="accent1"/>
+              </a:effectRef>
+              <a:fontRef idx="minor">
+                <a:schemeClr val="lt1"/>
+              </a:fontRef>
+            </p:style>
+            <p:txBody>
+              <a:bodyPr rtlCol="0" anchor="ctr"/>
+              <a:lstStyle/>
+              <a:p>
+                <a:pPr algn="ctr"/>
+                <a:endParaRPr lang="en-CA"/>
+              </a:p>
+            </p:txBody>
+          </p:sp>
+          <p:sp>
+            <p:nvSpPr>
+              <p:cNvPr id="27" name="Oval 26">
+                <a:extLst>
+                  <a:ext uri="{FF2B5EF4-FFF2-40B4-BE49-F238E27FC236}">
+                    <a16:creationId xmlns:a16="http://schemas.microsoft.com/office/drawing/2014/main" id="{3010F02B-8D87-CCFE-7FE6-3FE2EF95B301}"/>
+                  </a:ext>
+                </a:extLst>
+              </p:cNvPr>
+              <p:cNvSpPr/>
+              <p:nvPr/>
+            </p:nvSpPr>
+            <p:spPr>
+              <a:xfrm>
+                <a:off x="7701980" y="4355986"/>
+                <a:ext cx="86506" cy="86506"/>
+              </a:xfrm>
+              <a:prstGeom prst="ellipse">
+                <a:avLst/>
+              </a:prstGeom>
+              <a:solidFill>
+                <a:srgbClr val="00B0F0"/>
+              </a:solidFill>
+              <a:ln>
+                <a:solidFill>
+                  <a:srgbClr val="00B0F0"/>
+                </a:solidFill>
+              </a:ln>
+            </p:spPr>
+            <p:style>
+              <a:lnRef idx="2">
+                <a:schemeClr val="accent1">
+                  <a:shade val="15000"/>
+                </a:schemeClr>
+              </a:lnRef>
+              <a:fillRef idx="1">
+                <a:schemeClr val="accent1"/>
+              </a:fillRef>
+              <a:effectRef idx="0">
+                <a:schemeClr val="accent1"/>
+              </a:effectRef>
+              <a:fontRef idx="minor">
+                <a:schemeClr val="lt1"/>
+              </a:fontRef>
+            </p:style>
+            <p:txBody>
+              <a:bodyPr rtlCol="0" anchor="ctr"/>
+              <a:lstStyle/>
+              <a:p>
+                <a:pPr algn="ctr"/>
+                <a:endParaRPr lang="en-CA"/>
+              </a:p>
+            </p:txBody>
+          </p:sp>
+          <p:sp>
+            <p:nvSpPr>
+              <p:cNvPr id="28" name="Oval 27">
+                <a:extLst>
+                  <a:ext uri="{FF2B5EF4-FFF2-40B4-BE49-F238E27FC236}">
+                    <a16:creationId xmlns:a16="http://schemas.microsoft.com/office/drawing/2014/main" id="{93079CC0-C56E-B747-04BF-26B203255646}"/>
+                  </a:ext>
+                </a:extLst>
+              </p:cNvPr>
+              <p:cNvSpPr/>
+              <p:nvPr/>
+            </p:nvSpPr>
+            <p:spPr>
+              <a:xfrm>
+                <a:off x="7855480" y="4462891"/>
+                <a:ext cx="86506" cy="86506"/>
+              </a:xfrm>
+              <a:prstGeom prst="ellipse">
+                <a:avLst/>
+              </a:prstGeom>
+              <a:solidFill>
+                <a:srgbClr val="00B0F0"/>
+              </a:solidFill>
+              <a:ln>
+                <a:solidFill>
+                  <a:srgbClr val="00B0F0"/>
+                </a:solidFill>
+              </a:ln>
+            </p:spPr>
+            <p:style>
+              <a:lnRef idx="2">
+                <a:schemeClr val="accent1">
+                  <a:shade val="15000"/>
+                </a:schemeClr>
+              </a:lnRef>
+              <a:fillRef idx="1">
+                <a:schemeClr val="accent1"/>
+              </a:fillRef>
+              <a:effectRef idx="0">
+                <a:schemeClr val="accent1"/>
+              </a:effectRef>
+              <a:fontRef idx="minor">
+                <a:schemeClr val="lt1"/>
+              </a:fontRef>
+            </p:style>
+            <p:txBody>
+              <a:bodyPr rtlCol="0" anchor="ctr"/>
+              <a:lstStyle/>
+              <a:p>
+                <a:pPr algn="ctr"/>
+                <a:endParaRPr lang="en-CA"/>
+              </a:p>
+            </p:txBody>
+          </p:sp>
+          <p:sp>
+            <p:nvSpPr>
+              <p:cNvPr id="29" name="Oval 28">
+                <a:extLst>
+                  <a:ext uri="{FF2B5EF4-FFF2-40B4-BE49-F238E27FC236}">
+                    <a16:creationId xmlns:a16="http://schemas.microsoft.com/office/drawing/2014/main" id="{F158464D-2397-BA06-9B69-ED1B5DF945BF}"/>
+                  </a:ext>
+                </a:extLst>
+              </p:cNvPr>
+              <p:cNvSpPr/>
+              <p:nvPr/>
+            </p:nvSpPr>
+            <p:spPr>
+              <a:xfrm>
+                <a:off x="7450051" y="4582843"/>
+                <a:ext cx="86506" cy="86506"/>
+              </a:xfrm>
+              <a:prstGeom prst="ellipse">
+                <a:avLst/>
+              </a:prstGeom>
+              <a:solidFill>
+                <a:srgbClr val="00B0F0"/>
+              </a:solidFill>
+              <a:ln>
+                <a:solidFill>
+                  <a:srgbClr val="00B0F0"/>
+                </a:solidFill>
+              </a:ln>
+            </p:spPr>
+            <p:style>
+              <a:lnRef idx="2">
+                <a:schemeClr val="accent1">
+                  <a:shade val="15000"/>
+                </a:schemeClr>
+              </a:lnRef>
+              <a:fillRef idx="1">
+                <a:schemeClr val="accent1"/>
+              </a:fillRef>
+              <a:effectRef idx="0">
+                <a:schemeClr val="accent1"/>
+              </a:effectRef>
+              <a:fontRef idx="minor">
+                <a:schemeClr val="lt1"/>
+              </a:fontRef>
+            </p:style>
+            <p:txBody>
+              <a:bodyPr rtlCol="0" anchor="ctr"/>
+              <a:lstStyle/>
+              <a:p>
+                <a:pPr algn="ctr"/>
+                <a:endParaRPr lang="en-CA"/>
+              </a:p>
+            </p:txBody>
+          </p:sp>
+          <p:sp>
+            <p:nvSpPr>
+              <p:cNvPr id="30" name="Oval 29">
+                <a:extLst>
+                  <a:ext uri="{FF2B5EF4-FFF2-40B4-BE49-F238E27FC236}">
+                    <a16:creationId xmlns:a16="http://schemas.microsoft.com/office/drawing/2014/main" id="{F9646385-94CD-EECD-0954-963D9E854635}"/>
+                  </a:ext>
+                </a:extLst>
+              </p:cNvPr>
+              <p:cNvSpPr/>
+              <p:nvPr/>
+            </p:nvSpPr>
+            <p:spPr>
+              <a:xfrm>
+                <a:off x="8158415" y="4636911"/>
+                <a:ext cx="86506" cy="86506"/>
+              </a:xfrm>
+              <a:prstGeom prst="ellipse">
+                <a:avLst/>
+              </a:prstGeom>
+              <a:solidFill>
+                <a:srgbClr val="00B0F0"/>
+              </a:solidFill>
+              <a:ln>
+                <a:solidFill>
+                  <a:srgbClr val="00B0F0"/>
+                </a:solidFill>
+              </a:ln>
+            </p:spPr>
+            <p:style>
+              <a:lnRef idx="2">
+                <a:schemeClr val="accent1">
+                  <a:shade val="15000"/>
+                </a:schemeClr>
+              </a:lnRef>
+              <a:fillRef idx="1">
+                <a:schemeClr val="accent1"/>
+              </a:fillRef>
+              <a:effectRef idx="0">
+                <a:schemeClr val="accent1"/>
+              </a:effectRef>
+              <a:fontRef idx="minor">
+                <a:schemeClr val="lt1"/>
+              </a:fontRef>
+            </p:style>
+            <p:txBody>
+              <a:bodyPr rtlCol="0" anchor="ctr"/>
+              <a:lstStyle/>
+              <a:p>
+                <a:pPr algn="ctr"/>
+                <a:endParaRPr lang="en-CA"/>
+              </a:p>
+            </p:txBody>
+          </p:sp>
+          <p:sp>
+            <p:nvSpPr>
+              <p:cNvPr id="31" name="Oval 30">
+                <a:extLst>
+                  <a:ext uri="{FF2B5EF4-FFF2-40B4-BE49-F238E27FC236}">
+                    <a16:creationId xmlns:a16="http://schemas.microsoft.com/office/drawing/2014/main" id="{F1A21A16-CCFB-ED97-FC53-995524C44D60}"/>
+                  </a:ext>
+                </a:extLst>
+              </p:cNvPr>
+              <p:cNvSpPr/>
+              <p:nvPr/>
+            </p:nvSpPr>
+            <p:spPr>
+              <a:xfrm>
+                <a:off x="9571800" y="2791321"/>
+                <a:ext cx="86506" cy="86506"/>
+              </a:xfrm>
+              <a:prstGeom prst="ellipse">
+                <a:avLst/>
+              </a:prstGeom>
+              <a:solidFill>
+                <a:srgbClr val="00B0F0"/>
+              </a:solidFill>
+              <a:ln>
+                <a:solidFill>
+                  <a:srgbClr val="00B0F0"/>
+                </a:solidFill>
+              </a:ln>
+            </p:spPr>
+            <p:style>
+              <a:lnRef idx="2">
+                <a:schemeClr val="accent1">
+                  <a:shade val="15000"/>
+                </a:schemeClr>
+              </a:lnRef>
+              <a:fillRef idx="1">
+                <a:schemeClr val="accent1"/>
+              </a:fillRef>
+              <a:effectRef idx="0">
+                <a:schemeClr val="accent1"/>
+              </a:effectRef>
+              <a:fontRef idx="minor">
+                <a:schemeClr val="lt1"/>
+              </a:fontRef>
+            </p:style>
+            <p:txBody>
+              <a:bodyPr rtlCol="0" anchor="ctr"/>
+              <a:lstStyle/>
+              <a:p>
+                <a:pPr algn="ctr"/>
+                <a:endParaRPr lang="en-CA"/>
+              </a:p>
+            </p:txBody>
+          </p:sp>
+          <p:sp>
+            <p:nvSpPr>
+              <p:cNvPr id="32" name="Oval 31">
+                <a:extLst>
+                  <a:ext uri="{FF2B5EF4-FFF2-40B4-BE49-F238E27FC236}">
+                    <a16:creationId xmlns:a16="http://schemas.microsoft.com/office/drawing/2014/main" id="{9E26D04B-D8FE-6C1D-E415-9AAD82881086}"/>
+                  </a:ext>
+                </a:extLst>
+              </p:cNvPr>
+              <p:cNvSpPr/>
+              <p:nvPr/>
+            </p:nvSpPr>
+            <p:spPr>
+              <a:xfrm>
+                <a:off x="9415251" y="3108029"/>
+                <a:ext cx="86506" cy="86506"/>
+              </a:xfrm>
+              <a:prstGeom prst="ellipse">
+                <a:avLst/>
+              </a:prstGeom>
+              <a:solidFill>
+                <a:srgbClr val="00B0F0"/>
+              </a:solidFill>
+              <a:ln>
+                <a:solidFill>
+                  <a:srgbClr val="00B0F0"/>
+                </a:solidFill>
+              </a:ln>
+            </p:spPr>
+            <p:style>
+              <a:lnRef idx="2">
+                <a:schemeClr val="accent1">
+                  <a:shade val="15000"/>
+                </a:schemeClr>
+              </a:lnRef>
+              <a:fillRef idx="1">
+                <a:schemeClr val="accent1"/>
+              </a:fillRef>
+              <a:effectRef idx="0">
+                <a:schemeClr val="accent1"/>
+              </a:effectRef>
+              <a:fontRef idx="minor">
+                <a:schemeClr val="lt1"/>
+              </a:fontRef>
+            </p:style>
+            <p:txBody>
+              <a:bodyPr rtlCol="0" anchor="ctr"/>
+              <a:lstStyle/>
+              <a:p>
+                <a:pPr algn="ctr"/>
+                <a:endParaRPr lang="en-CA"/>
+              </a:p>
+            </p:txBody>
+          </p:sp>
+          <p:sp>
+            <p:nvSpPr>
+              <p:cNvPr id="33" name="Oval 32">
+                <a:extLst>
+                  <a:ext uri="{FF2B5EF4-FFF2-40B4-BE49-F238E27FC236}">
+                    <a16:creationId xmlns:a16="http://schemas.microsoft.com/office/drawing/2014/main" id="{B386D5CF-BC57-B3B7-92A0-DF304D4FFADC}"/>
+                  </a:ext>
+                </a:extLst>
+              </p:cNvPr>
+              <p:cNvSpPr/>
+              <p:nvPr/>
+            </p:nvSpPr>
+            <p:spPr>
+              <a:xfrm>
+                <a:off x="9020030" y="3127515"/>
+                <a:ext cx="86506" cy="86506"/>
+              </a:xfrm>
+              <a:prstGeom prst="ellipse">
+                <a:avLst/>
+              </a:prstGeom>
+              <a:solidFill>
+                <a:srgbClr val="00B0F0"/>
+              </a:solidFill>
+              <a:ln>
+                <a:solidFill>
+                  <a:srgbClr val="00B0F0"/>
+                </a:solidFill>
+              </a:ln>
+            </p:spPr>
+            <p:style>
+              <a:lnRef idx="2">
+                <a:schemeClr val="accent1">
+                  <a:shade val="15000"/>
+                </a:schemeClr>
+              </a:lnRef>
+              <a:fillRef idx="1">
+                <a:schemeClr val="accent1"/>
+              </a:fillRef>
+              <a:effectRef idx="0">
+                <a:schemeClr val="accent1"/>
+              </a:effectRef>
+              <a:fontRef idx="minor">
+                <a:schemeClr val="lt1"/>
+              </a:fontRef>
+            </p:style>
+            <p:txBody>
+              <a:bodyPr rtlCol="0" anchor="ctr"/>
+              <a:lstStyle/>
+              <a:p>
+                <a:pPr algn="ctr"/>
+                <a:endParaRPr lang="en-CA"/>
+              </a:p>
+            </p:txBody>
+          </p:sp>
+          <p:sp>
+            <p:nvSpPr>
+              <p:cNvPr id="34" name="Oval 33">
+                <a:extLst>
+                  <a:ext uri="{FF2B5EF4-FFF2-40B4-BE49-F238E27FC236}">
+                    <a16:creationId xmlns:a16="http://schemas.microsoft.com/office/drawing/2014/main" id="{4639EB60-3724-C542-176B-8FFEDB84D0FF}"/>
+                  </a:ext>
+                </a:extLst>
+              </p:cNvPr>
+              <p:cNvSpPr/>
+              <p:nvPr/>
+            </p:nvSpPr>
+            <p:spPr>
+              <a:xfrm>
+                <a:off x="9247363" y="3214021"/>
+                <a:ext cx="86506" cy="86506"/>
+              </a:xfrm>
+              <a:prstGeom prst="ellipse">
+                <a:avLst/>
+              </a:prstGeom>
+              <a:solidFill>
+                <a:srgbClr val="00B0F0"/>
+              </a:solidFill>
+              <a:ln>
+                <a:solidFill>
+                  <a:srgbClr val="00B0F0"/>
+                </a:solidFill>
+              </a:ln>
+            </p:spPr>
+            <p:style>
+              <a:lnRef idx="2">
+                <a:schemeClr val="accent1">
+                  <a:shade val="15000"/>
+                </a:schemeClr>
+              </a:lnRef>
+              <a:fillRef idx="1">
+                <a:schemeClr val="accent1"/>
+              </a:fillRef>
+              <a:effectRef idx="0">
+                <a:schemeClr val="accent1"/>
+              </a:effectRef>
+              <a:fontRef idx="minor">
+                <a:schemeClr val="lt1"/>
+              </a:fontRef>
+            </p:style>
+            <p:txBody>
+              <a:bodyPr rtlCol="0" anchor="ctr"/>
+              <a:lstStyle/>
+              <a:p>
+                <a:pPr algn="ctr"/>
+                <a:endParaRPr lang="en-CA"/>
+              </a:p>
+            </p:txBody>
+          </p:sp>
+          <p:sp>
+            <p:nvSpPr>
+              <p:cNvPr id="35" name="Oval 34">
+                <a:extLst>
+                  <a:ext uri="{FF2B5EF4-FFF2-40B4-BE49-F238E27FC236}">
+                    <a16:creationId xmlns:a16="http://schemas.microsoft.com/office/drawing/2014/main" id="{1E314FB5-9558-29FC-D280-3D7138303BB0}"/>
+                  </a:ext>
+                </a:extLst>
+              </p:cNvPr>
+              <p:cNvSpPr/>
+              <p:nvPr/>
+            </p:nvSpPr>
+            <p:spPr>
+              <a:xfrm>
+                <a:off x="8749444" y="3089099"/>
+                <a:ext cx="86506" cy="86506"/>
+              </a:xfrm>
+              <a:prstGeom prst="ellipse">
+                <a:avLst/>
+              </a:prstGeom>
+              <a:solidFill>
+                <a:srgbClr val="00B0F0"/>
+              </a:solidFill>
+              <a:ln>
+                <a:solidFill>
+                  <a:srgbClr val="00B0F0"/>
+                </a:solidFill>
+              </a:ln>
+            </p:spPr>
+            <p:style>
+              <a:lnRef idx="2">
+                <a:schemeClr val="accent1">
+                  <a:shade val="15000"/>
+                </a:schemeClr>
+              </a:lnRef>
+              <a:fillRef idx="1">
+                <a:schemeClr val="accent1"/>
+              </a:fillRef>
+              <a:effectRef idx="0">
+                <a:schemeClr val="accent1"/>
+              </a:effectRef>
+              <a:fontRef idx="minor">
+                <a:schemeClr val="lt1"/>
+              </a:fontRef>
+            </p:style>
+            <p:txBody>
+              <a:bodyPr rtlCol="0" anchor="ctr"/>
+              <a:lstStyle/>
+              <a:p>
+                <a:pPr algn="ctr"/>
+                <a:endParaRPr lang="en-CA"/>
+              </a:p>
+            </p:txBody>
+          </p:sp>
+          <p:sp>
+            <p:nvSpPr>
+              <p:cNvPr id="36" name="Oval 35">
+                <a:extLst>
+                  <a:ext uri="{FF2B5EF4-FFF2-40B4-BE49-F238E27FC236}">
+                    <a16:creationId xmlns:a16="http://schemas.microsoft.com/office/drawing/2014/main" id="{428A661D-B0EC-C7BA-AF3F-E38EE209B2D0}"/>
+                  </a:ext>
+                </a:extLst>
+              </p:cNvPr>
+              <p:cNvSpPr/>
+              <p:nvPr/>
+            </p:nvSpPr>
+            <p:spPr>
+              <a:xfrm>
+                <a:off x="9409483" y="3394377"/>
+                <a:ext cx="86506" cy="86506"/>
+              </a:xfrm>
+              <a:prstGeom prst="ellipse">
+                <a:avLst/>
+              </a:prstGeom>
+              <a:solidFill>
+                <a:srgbClr val="00B0F0"/>
+              </a:solidFill>
+              <a:ln>
+                <a:solidFill>
+                  <a:srgbClr val="00B0F0"/>
+                </a:solidFill>
+              </a:ln>
+            </p:spPr>
+            <p:style>
+              <a:lnRef idx="2">
+                <a:schemeClr val="accent1">
+                  <a:shade val="15000"/>
+                </a:schemeClr>
+              </a:lnRef>
+              <a:fillRef idx="1">
+                <a:schemeClr val="accent1"/>
+              </a:fillRef>
+              <a:effectRef idx="0">
+                <a:schemeClr val="accent1"/>
+              </a:effectRef>
+              <a:fontRef idx="minor">
+                <a:schemeClr val="lt1"/>
+              </a:fontRef>
+            </p:style>
+            <p:txBody>
+              <a:bodyPr rtlCol="0" anchor="ctr"/>
+              <a:lstStyle/>
+              <a:p>
+                <a:pPr algn="ctr"/>
+                <a:endParaRPr lang="en-CA"/>
+              </a:p>
+            </p:txBody>
+          </p:sp>
+          <p:sp>
+            <p:nvSpPr>
+              <p:cNvPr id="37" name="Oval 36">
+                <a:extLst>
+                  <a:ext uri="{FF2B5EF4-FFF2-40B4-BE49-F238E27FC236}">
+                    <a16:creationId xmlns:a16="http://schemas.microsoft.com/office/drawing/2014/main" id="{9CE969CD-9194-FCCF-B5C2-4228D4E44F05}"/>
+                  </a:ext>
+                </a:extLst>
+              </p:cNvPr>
+              <p:cNvSpPr/>
+              <p:nvPr/>
+            </p:nvSpPr>
+            <p:spPr>
+              <a:xfrm>
+                <a:off x="8956429" y="3375964"/>
+                <a:ext cx="86506" cy="86506"/>
+              </a:xfrm>
+              <a:prstGeom prst="ellipse">
+                <a:avLst/>
+              </a:prstGeom>
+              <a:solidFill>
+                <a:srgbClr val="00B0F0"/>
+              </a:solidFill>
+              <a:ln>
+                <a:solidFill>
+                  <a:srgbClr val="00B0F0"/>
+                </a:solidFill>
+              </a:ln>
+            </p:spPr>
+            <p:style>
+              <a:lnRef idx="2">
+                <a:schemeClr val="accent1">
+                  <a:shade val="15000"/>
+                </a:schemeClr>
+              </a:lnRef>
+              <a:fillRef idx="1">
+                <a:schemeClr val="accent1"/>
+              </a:fillRef>
+              <a:effectRef idx="0">
+                <a:schemeClr val="accent1"/>
+              </a:effectRef>
+              <a:fontRef idx="minor">
+                <a:schemeClr val="lt1"/>
+              </a:fontRef>
+            </p:style>
+            <p:txBody>
+              <a:bodyPr rtlCol="0" anchor="ctr"/>
+              <a:lstStyle/>
+              <a:p>
+                <a:pPr algn="ctr"/>
+                <a:endParaRPr lang="en-CA"/>
+              </a:p>
+            </p:txBody>
+          </p:sp>
+          <p:sp>
+            <p:nvSpPr>
+              <p:cNvPr id="38" name="Oval 37">
+                <a:extLst>
+                  <a:ext uri="{FF2B5EF4-FFF2-40B4-BE49-F238E27FC236}">
+                    <a16:creationId xmlns:a16="http://schemas.microsoft.com/office/drawing/2014/main" id="{31CF4899-86ED-6392-A967-2FBF905B2BA1}"/>
+                  </a:ext>
+                </a:extLst>
+              </p:cNvPr>
+              <p:cNvSpPr/>
+              <p:nvPr/>
+            </p:nvSpPr>
+            <p:spPr>
+              <a:xfrm>
+                <a:off x="9149525" y="3514329"/>
+                <a:ext cx="86506" cy="86506"/>
+              </a:xfrm>
+              <a:prstGeom prst="ellipse">
+                <a:avLst/>
+              </a:prstGeom>
+              <a:solidFill>
+                <a:srgbClr val="00B0F0"/>
+              </a:solidFill>
+              <a:ln>
+                <a:solidFill>
+                  <a:srgbClr val="00B0F0"/>
+                </a:solidFill>
+              </a:ln>
+            </p:spPr>
+            <p:style>
+              <a:lnRef idx="2">
+                <a:schemeClr val="accent1">
+                  <a:shade val="15000"/>
+                </a:schemeClr>
+              </a:lnRef>
+              <a:fillRef idx="1">
+                <a:schemeClr val="accent1"/>
+              </a:fillRef>
+              <a:effectRef idx="0">
+                <a:schemeClr val="accent1"/>
+              </a:effectRef>
+              <a:fontRef idx="minor">
+                <a:schemeClr val="lt1"/>
+              </a:fontRef>
+            </p:style>
+            <p:txBody>
+              <a:bodyPr rtlCol="0" anchor="ctr"/>
+              <a:lstStyle/>
+              <a:p>
+                <a:pPr algn="ctr"/>
+                <a:endParaRPr lang="en-CA"/>
+              </a:p>
+            </p:txBody>
+          </p:sp>
+          <p:cxnSp>
+            <p:nvCxnSpPr>
+              <p:cNvPr id="41" name="Straight Connector 40">
+                <a:extLst>
+                  <a:ext uri="{FF2B5EF4-FFF2-40B4-BE49-F238E27FC236}">
+                    <a16:creationId xmlns:a16="http://schemas.microsoft.com/office/drawing/2014/main" id="{512A4763-20EF-A9C3-7BA5-C620AB49CD2C}"/>
+                  </a:ext>
+                </a:extLst>
+              </p:cNvPr>
+              <p:cNvCxnSpPr/>
+              <p:nvPr/>
+            </p:nvCxnSpPr>
+            <p:spPr>
+              <a:xfrm rot="18900000">
+                <a:off x="6637328" y="3821160"/>
+                <a:ext cx="4247745" cy="0"/>
+              </a:xfrm>
+              <a:prstGeom prst="line">
+                <a:avLst/>
+              </a:prstGeom>
+              <a:ln w="28575" cap="flat" cmpd="sng" algn="ctr">
+                <a:solidFill>
+                  <a:srgbClr val="FF0000"/>
+                </a:solidFill>
+                <a:prstDash val="dash"/>
+                <a:round/>
+                <a:headEnd type="none" w="med" len="med"/>
+                <a:tailEnd type="arrow" w="med" len="med"/>
+              </a:ln>
+            </p:spPr>
+            <p:style>
+              <a:lnRef idx="0">
+                <a:scrgbClr r="0" g="0" b="0"/>
+              </a:lnRef>
+              <a:fillRef idx="0">
+                <a:scrgbClr r="0" g="0" b="0"/>
+              </a:fillRef>
+              <a:effectRef idx="0">
+                <a:scrgbClr r="0" g="0" b="0"/>
+              </a:effectRef>
+              <a:fontRef idx="minor">
+                <a:schemeClr val="tx1"/>
+              </a:fontRef>
+            </p:style>
+          </p:cxnSp>
+          <p:cxnSp>
+            <p:nvCxnSpPr>
+              <p:cNvPr id="42" name="Straight Connector 41">
+                <a:extLst>
+                  <a:ext uri="{FF2B5EF4-FFF2-40B4-BE49-F238E27FC236}">
+                    <a16:creationId xmlns:a16="http://schemas.microsoft.com/office/drawing/2014/main" id="{A6F782DD-F810-E415-1CE3-175D05450F3C}"/>
+                  </a:ext>
+                </a:extLst>
+              </p:cNvPr>
+              <p:cNvCxnSpPr>
+                <a:cxnSpLocks/>
+              </p:cNvCxnSpPr>
+              <p:nvPr/>
+            </p:nvCxnSpPr>
+            <p:spPr>
+              <a:xfrm flipH="1" flipV="1">
+                <a:off x="7442290" y="2973426"/>
+                <a:ext cx="1343285" cy="1343286"/>
+              </a:xfrm>
+              <a:prstGeom prst="line">
+                <a:avLst/>
+              </a:prstGeom>
+              <a:ln w="28575" cap="flat" cmpd="sng" algn="ctr">
+                <a:solidFill>
+                  <a:srgbClr val="FF0000"/>
+                </a:solidFill>
+                <a:prstDash val="dash"/>
+                <a:round/>
+                <a:headEnd type="none" w="med" len="med"/>
+                <a:tailEnd type="arrow" w="med" len="med"/>
+              </a:ln>
+            </p:spPr>
+            <p:style>
+              <a:lnRef idx="0">
+                <a:scrgbClr r="0" g="0" b="0"/>
+              </a:lnRef>
+              <a:fillRef idx="0">
+                <a:scrgbClr r="0" g="0" b="0"/>
+              </a:fillRef>
+              <a:effectRef idx="0">
+                <a:scrgbClr r="0" g="0" b="0"/>
+              </a:effectRef>
+              <a:fontRef idx="minor">
+                <a:schemeClr val="tx1"/>
+              </a:fontRef>
+            </p:style>
+          </p:cxnSp>
+        </p:grpSp>
+        <p:pic>
+          <p:nvPicPr>
+            <p:cNvPr id="45" name="Google Shape;146;p11" descr="3.6.10.5. tSNE to visualize digits — Scipy lecture notes">
+              <a:extLst>
+                <a:ext uri="{FF2B5EF4-FFF2-40B4-BE49-F238E27FC236}">
+                  <a16:creationId xmlns:a16="http://schemas.microsoft.com/office/drawing/2014/main" id="{E309B5E2-A88B-FB7D-7ABD-D357BEF29CED}"/>
+                </a:ext>
+              </a:extLst>
+            </p:cNvPr>
+            <p:cNvPicPr preferRelativeResize="0"/>
+            <p:nvPr/>
+          </p:nvPicPr>
+          <p:blipFill rotWithShape="1">
+            <a:blip r:embed="rId3">
+              <a:alphaModFix/>
+            </a:blip>
+            <a:srcRect/>
+            <a:stretch/>
+          </p:blipFill>
+          <p:spPr>
+            <a:xfrm>
+              <a:off x="8058423" y="1805030"/>
+              <a:ext cx="1871460" cy="1590292"/>
+            </a:xfrm>
+            <a:prstGeom prst="rect">
+              <a:avLst/>
+            </a:prstGeom>
+            <a:noFill/>
+            <a:ln>
+              <a:noFill/>
+            </a:ln>
+          </p:spPr>
+        </p:pic>
+      </p:grpSp>
+      <p:pic>
+        <p:nvPicPr>
+          <p:cNvPr id="46" name="Picture 45" descr="A picture containing text, screenshot, line, plot&#10;&#10;Description automatically generated">
+            <a:extLst>
+              <a:ext uri="{FF2B5EF4-FFF2-40B4-BE49-F238E27FC236}">
+                <a16:creationId xmlns:a16="http://schemas.microsoft.com/office/drawing/2014/main" id="{669DB406-E8B5-E7CD-DBC3-8C47CAB4AC6C}"/>
+              </a:ext>
+            </a:extLst>
+          </p:cNvPr>
+          <p:cNvPicPr>
+            <a:picLocks noChangeAspect="1"/>
+          </p:cNvPicPr>
+          <p:nvPr/>
+        </p:nvPicPr>
+        <p:blipFill>
+          <a:blip r:embed="rId4"/>
+          <a:stretch>
+            <a:fillRect/>
+          </a:stretch>
+        </p:blipFill>
+        <p:spPr>
+          <a:xfrm>
+            <a:off x="2056888" y="4535067"/>
+            <a:ext cx="1524073" cy="1797374"/>
           </a:xfrm>
           <a:prstGeom prst="rect">
             <a:avLst/>
           </a:prstGeom>
         </p:spPr>
-        <p:style>
-          <a:lnRef idx="2">
-            <a:schemeClr val="accent1">
-              <a:shade val="15000"/>
-            </a:schemeClr>
-          </a:lnRef>
-          <a:fillRef idx="1">
-            <a:schemeClr val="accent1"/>
-          </a:fillRef>
-          <a:effectRef idx="0">
-            <a:schemeClr val="accent1"/>
-          </a:effectRef>
-          <a:fontRef idx="minor">
-            <a:schemeClr val="lt1"/>
-          </a:fontRef>
-        </p:style>
-        <p:txBody>
-          <a:bodyPr rtlCol="0" anchor="ctr"/>
-          <a:lstStyle/>
-          <a:p>
-            <a:pPr algn="ctr"/>
-            <a:endParaRPr lang="en-US"/>
-          </a:p>
-        </p:txBody>
-      </p:sp>
-      <p:sp>
-        <p:nvSpPr>
-          <p:cNvPr id="10" name="Rectangle 9">
+      </p:pic>
+      <p:pic>
+        <p:nvPicPr>
+          <p:cNvPr id="48" name="Picture 47" descr="A picture containing screenshot, diagram, plot&#10;&#10;Description automatically generated">
             <a:extLst>
               <a:ext uri="{FF2B5EF4-FFF2-40B4-BE49-F238E27FC236}">
-                <a16:creationId xmlns:a16="http://schemas.microsoft.com/office/drawing/2014/main" id="{838E1818-01E2-1360-E99F-62693B536975}"/>
+                <a16:creationId xmlns:a16="http://schemas.microsoft.com/office/drawing/2014/main" id="{C2717415-F7B5-88F6-9605-7A7D41744184}"/>
               </a:ext>
             </a:extLst>
           </p:cNvPr>
-          <p:cNvSpPr/>
+          <p:cNvPicPr>
+            <a:picLocks noChangeAspect="1"/>
+          </p:cNvPicPr>
           <p:nvPr/>
-        </p:nvSpPr>
+        </p:nvPicPr>
+        <p:blipFill>
+          <a:blip r:embed="rId5"/>
+          <a:stretch>
+            <a:fillRect/>
+          </a:stretch>
+        </p:blipFill>
         <p:spPr>
           <a:xfrm>
-            <a:off x="7248843" y="4533239"/>
-            <a:ext cx="1871460" cy="1502228"/>
+            <a:off x="6867114" y="4677327"/>
+            <a:ext cx="2758322" cy="1611604"/>
           </a:xfrm>
           <a:prstGeom prst="rect">
             <a:avLst/>
           </a:prstGeom>
         </p:spPr>
-        <p:style>
-          <a:lnRef idx="2">
-            <a:schemeClr val="accent1">
-              <a:shade val="15000"/>
-            </a:schemeClr>
-          </a:lnRef>
-          <a:fillRef idx="1">
-            <a:schemeClr val="accent1"/>
-          </a:fillRef>
-          <a:effectRef idx="0">
-            <a:schemeClr val="accent1"/>
-          </a:effectRef>
-          <a:fontRef idx="minor">
-            <a:schemeClr val="lt1"/>
-          </a:fontRef>
-        </p:style>
-        <p:txBody>
-          <a:bodyPr rtlCol="0" anchor="ctr"/>
-          <a:lstStyle/>
-          <a:p>
-            <a:pPr algn="ctr"/>
-            <a:endParaRPr lang="en-US"/>
-          </a:p>
-        </p:txBody>
-      </p:sp>
-      <p:sp>
-        <p:nvSpPr>
-          <p:cNvPr id="11" name="Rectangle 10">
-            <a:extLst>
-              <a:ext uri="{FF2B5EF4-FFF2-40B4-BE49-F238E27FC236}">
-                <a16:creationId xmlns:a16="http://schemas.microsoft.com/office/drawing/2014/main" id="{AA48CC51-575C-7271-C0F5-FE351E196F48}"/>
-              </a:ext>
-            </a:extLst>
-          </p:cNvPr>
-          <p:cNvSpPr/>
-          <p:nvPr/>
-        </p:nvSpPr>
-        <p:spPr>
-          <a:xfrm>
-            <a:off x="1681637" y="4533239"/>
-            <a:ext cx="1871460" cy="1502228"/>
-          </a:xfrm>
-          <a:prstGeom prst="rect">
-            <a:avLst/>
-          </a:prstGeom>
-        </p:spPr>
-        <p:style>
-          <a:lnRef idx="2">
-            <a:schemeClr val="accent1">
-              <a:shade val="15000"/>
-            </a:schemeClr>
-          </a:lnRef>
-          <a:fillRef idx="1">
-            <a:schemeClr val="accent1"/>
-          </a:fillRef>
-          <a:effectRef idx="0">
-            <a:schemeClr val="accent1"/>
-          </a:effectRef>
-          <a:fontRef idx="minor">
-            <a:schemeClr val="lt1"/>
-          </a:fontRef>
-        </p:style>
-        <p:txBody>
-          <a:bodyPr rtlCol="0" anchor="ctr"/>
-          <a:lstStyle/>
-          <a:p>
-            <a:pPr algn="ctr"/>
-            <a:endParaRPr lang="en-US"/>
-          </a:p>
-        </p:txBody>
-      </p:sp>
+      </p:pic>
     </p:spTree>
     <p:extLst>
       <p:ext uri="{BB962C8B-B14F-4D97-AF65-F5344CB8AC3E}">
